--- a/Day 5/SpringSecurity.pptx
+++ b/Day 5/SpringSecurity.pptx
@@ -5,7 +5,7 @@
     <p:sldMasterId id="2147483672" r:id="rId1"/>
   </p:sldMasterIdLst>
   <p:notesMasterIdLst>
-    <p:notesMasterId r:id="rId10"/>
+    <p:notesMasterId r:id="rId12"/>
   </p:notesMasterIdLst>
   <p:sldIdLst>
     <p:sldId id="319" r:id="rId2"/>
@@ -15,31 +15,33 @@
     <p:sldId id="322" r:id="rId6"/>
     <p:sldId id="323" r:id="rId7"/>
     <p:sldId id="324" r:id="rId8"/>
-    <p:sldId id="281" r:id="rId9"/>
+    <p:sldId id="325" r:id="rId9"/>
+    <p:sldId id="326" r:id="rId10"/>
+    <p:sldId id="281" r:id="rId11"/>
   </p:sldIdLst>
   <p:sldSz cx="9144000" cy="5143500" type="screen16x9"/>
   <p:notesSz cx="6858000" cy="9144000"/>
   <p:embeddedFontLst>
     <p:embeddedFont>
       <p:font typeface="Anaheim" panose="02000503000000000000" pitchFamily="2" charset="77"/>
-      <p:regular r:id="rId11"/>
+      <p:regular r:id="rId13"/>
     </p:embeddedFont>
     <p:embeddedFont>
       <p:font typeface="Overpass Mono" panose="020B0009030203020204" pitchFamily="49" charset="77"/>
-      <p:regular r:id="rId12"/>
-      <p:bold r:id="rId13"/>
+      <p:regular r:id="rId14"/>
+      <p:bold r:id="rId15"/>
     </p:embeddedFont>
     <p:embeddedFont>
       <p:font typeface="Roboto" panose="02000000000000000000" pitchFamily="2" charset="0"/>
-      <p:regular r:id="rId14"/>
-      <p:bold r:id="rId15"/>
-      <p:italic r:id="rId16"/>
-      <p:boldItalic r:id="rId17"/>
+      <p:regular r:id="rId16"/>
+      <p:bold r:id="rId17"/>
+      <p:italic r:id="rId18"/>
+      <p:boldItalic r:id="rId19"/>
     </p:embeddedFont>
     <p:embeddedFont>
       <p:font typeface="Roboto Condensed Light" panose="020F0302020204030204" pitchFamily="34" charset="0"/>
-      <p:regular r:id="rId18"/>
-      <p:italic r:id="rId19"/>
+      <p:regular r:id="rId20"/>
+      <p:italic r:id="rId21"/>
     </p:embeddedFont>
   </p:embeddedFontLst>
   <p:defaultTextStyle>
@@ -3759,6 +3761,171 @@
 </p:sld>
 </file>
 
+<file path=ppt/slides/slide10.xml><?xml version="1.0" encoding="utf-8"?>
+<p:sld xmlns:a="http://schemas.openxmlformats.org/drawingml/2006/main" xmlns:r="http://schemas.openxmlformats.org/officeDocument/2006/relationships" xmlns:p="http://schemas.openxmlformats.org/presentationml/2006/main">
+  <p:cSld>
+    <p:spTree>
+      <p:nvGrpSpPr>
+        <p:cNvPr id="1" name="Shape 897"/>
+        <p:cNvGrpSpPr/>
+        <p:nvPr/>
+      </p:nvGrpSpPr>
+      <p:grpSpPr>
+        <a:xfrm>
+          <a:off x="0" y="0"/>
+          <a:ext cx="0" cy="0"/>
+          <a:chOff x="0" y="0"/>
+          <a:chExt cx="0" cy="0"/>
+        </a:xfrm>
+      </p:grpSpPr>
+      <p:sp>
+        <p:nvSpPr>
+          <p:cNvPr id="898" name="Google Shape;898;p52"/>
+          <p:cNvSpPr txBox="1">
+            <a:spLocks noGrp="1"/>
+          </p:cNvSpPr>
+          <p:nvPr>
+            <p:ph type="title"/>
+          </p:nvPr>
+        </p:nvSpPr>
+        <p:spPr>
+          <a:xfrm>
+            <a:off x="2951850" y="700250"/>
+            <a:ext cx="3240300" cy="669000"/>
+          </a:xfrm>
+          <a:prstGeom prst="rect">
+            <a:avLst/>
+          </a:prstGeom>
+        </p:spPr>
+        <p:txBody>
+          <a:bodyPr spcFirstLastPara="1" wrap="square" lIns="91425" tIns="91425" rIns="91425" bIns="91425" anchor="t" anchorCtr="0">
+            <a:noAutofit/>
+          </a:bodyPr>
+          <a:lstStyle/>
+          <a:p>
+            <a:pPr marL="0" lvl="0" indent="0" algn="ctr" rtl="0">
+              <a:spcBef>
+                <a:spcPts val="0"/>
+              </a:spcBef>
+              <a:spcAft>
+                <a:spcPts val="0"/>
+              </a:spcAft>
+              <a:buNone/>
+            </a:pPr>
+            <a:r>
+              <a:rPr lang="en"/>
+              <a:t>THANKS!</a:t>
+            </a:r>
+            <a:endParaRPr/>
+          </a:p>
+        </p:txBody>
+      </p:sp>
+      <p:sp>
+        <p:nvSpPr>
+          <p:cNvPr id="899" name="Google Shape;899;p52"/>
+          <p:cNvSpPr txBox="1">
+            <a:spLocks noGrp="1"/>
+          </p:cNvSpPr>
+          <p:nvPr>
+            <p:ph type="subTitle" idx="1"/>
+          </p:nvPr>
+        </p:nvSpPr>
+        <p:spPr>
+          <a:xfrm>
+            <a:off x="2951850" y="1515875"/>
+            <a:ext cx="3240300" cy="1208400"/>
+          </a:xfrm>
+          <a:prstGeom prst="rect">
+            <a:avLst/>
+          </a:prstGeom>
+        </p:spPr>
+        <p:txBody>
+          <a:bodyPr spcFirstLastPara="1" wrap="square" lIns="91425" tIns="0" rIns="91425" bIns="91425" anchor="t" anchorCtr="0">
+            <a:noAutofit/>
+          </a:bodyPr>
+          <a:lstStyle/>
+          <a:p>
+            <a:pPr marL="0" lvl="0" indent="0" algn="ctr" rtl="0">
+              <a:spcBef>
+                <a:spcPts val="0"/>
+              </a:spcBef>
+              <a:spcAft>
+                <a:spcPts val="0"/>
+              </a:spcAft>
+              <a:buNone/>
+            </a:pPr>
+            <a:endParaRPr dirty="0"/>
+          </a:p>
+          <a:p>
+            <a:pPr marL="0" lvl="0" indent="0" algn="ctr" rtl="0">
+              <a:spcBef>
+                <a:spcPts val="0"/>
+              </a:spcBef>
+              <a:spcAft>
+                <a:spcPts val="0"/>
+              </a:spcAft>
+              <a:buNone/>
+            </a:pPr>
+            <a:endParaRPr dirty="0"/>
+          </a:p>
+          <a:p>
+            <a:pPr marL="0" lvl="0" indent="0" algn="ctr" rtl="0">
+              <a:spcBef>
+                <a:spcPts val="0"/>
+              </a:spcBef>
+              <a:spcAft>
+                <a:spcPts val="0"/>
+              </a:spcAft>
+              <a:buNone/>
+            </a:pPr>
+            <a:endParaRPr dirty="0"/>
+          </a:p>
+          <a:p>
+            <a:pPr marL="0" lvl="0" indent="0" algn="ctr" rtl="0">
+              <a:spcBef>
+                <a:spcPts val="0"/>
+              </a:spcBef>
+              <a:spcAft>
+                <a:spcPts val="0"/>
+              </a:spcAft>
+              <a:buNone/>
+            </a:pPr>
+            <a:endParaRPr dirty="0"/>
+          </a:p>
+          <a:p>
+            <a:pPr marL="0" lvl="0" indent="0" algn="ctr" rtl="0">
+              <a:spcBef>
+                <a:spcPts val="0"/>
+              </a:spcBef>
+              <a:spcAft>
+                <a:spcPts val="0"/>
+              </a:spcAft>
+              <a:buNone/>
+            </a:pPr>
+            <a:endParaRPr dirty="0"/>
+          </a:p>
+          <a:p>
+            <a:pPr marL="0" lvl="0" indent="0" algn="ctr" rtl="0">
+              <a:spcBef>
+                <a:spcPts val="0"/>
+              </a:spcBef>
+              <a:spcAft>
+                <a:spcPts val="0"/>
+              </a:spcAft>
+              <a:buNone/>
+            </a:pPr>
+            <a:endParaRPr dirty="0"/>
+          </a:p>
+        </p:txBody>
+      </p:sp>
+    </p:spTree>
+  </p:cSld>
+  <p:clrMapOvr>
+    <a:masterClrMapping/>
+  </p:clrMapOvr>
+</p:sld>
+</file>
+
 <file path=ppt/slides/slide2.xml><?xml version="1.0" encoding="utf-8"?>
 <p:sld xmlns:a="http://schemas.openxmlformats.org/drawingml/2006/main" xmlns:r="http://schemas.openxmlformats.org/officeDocument/2006/relationships" xmlns:p="http://schemas.openxmlformats.org/presentationml/2006/main">
   <p:cSld>
@@ -4180,8 +4347,8 @@
           </a:extLst>
         </p:spPr>
       </p:pic>
-      <mc:AlternateContent xmlns:mc="http://schemas.openxmlformats.org/markup-compatibility/2006">
-        <mc:Choice xmlns:p14="http://schemas.microsoft.com/office/powerpoint/2010/main" Requires="p14">
+      <mc:AlternateContent xmlns:mc="http://schemas.openxmlformats.org/markup-compatibility/2006" xmlns:p14="http://schemas.microsoft.com/office/powerpoint/2010/main">
+        <mc:Choice Requires="p14">
           <p:contentPart p14:bwMode="auto" r:id="rId3">
             <p14:nvContentPartPr>
               <p14:cNvPr id="6" name="Input penna 5">
@@ -4200,7 +4367,7 @@
             </p14:xfrm>
           </p:contentPart>
         </mc:Choice>
-        <mc:Fallback>
+        <mc:Fallback xmlns="">
           <p:pic>
             <p:nvPicPr>
               <p:cNvPr id="6" name="Input penna 5">
@@ -5127,7 +5294,7 @@
   <p:cSld>
     <p:spTree>
       <p:nvGrpSpPr>
-        <p:cNvPr id="1" name="Shape 897"/>
+        <p:cNvPr id="1" name=""/>
         <p:cNvGrpSpPr/>
         <p:nvPr/>
       </p:nvGrpSpPr>
@@ -5141,8 +5308,14 @@
       </p:grpSpPr>
       <p:sp>
         <p:nvSpPr>
-          <p:cNvPr id="898" name="Google Shape;898;p52"/>
-          <p:cNvSpPr txBox="1">
+          <p:cNvPr id="3" name="Titolo 2">
+            <a:extLst>
+              <a:ext uri="{FF2B5EF4-FFF2-40B4-BE49-F238E27FC236}">
+                <a16:creationId xmlns:a16="http://schemas.microsoft.com/office/drawing/2014/main" id="{7C241545-EA7D-D838-2117-27B3F56E9BC4}"/>
+              </a:ext>
+            </a:extLst>
+          </p:cNvPr>
+          <p:cNvSpPr>
             <a:spLocks noGrp="1"/>
           </p:cNvSpPr>
           <p:nvPr>
@@ -5151,135 +5324,631 @@
         </p:nvSpPr>
         <p:spPr>
           <a:xfrm>
-            <a:off x="2951850" y="700250"/>
-            <a:ext cx="3240300" cy="669000"/>
+            <a:off x="1278050" y="343199"/>
+            <a:ext cx="6588000" cy="1071531"/>
+          </a:xfrm>
+        </p:spPr>
+        <p:txBody>
+          <a:bodyPr/>
+          <a:lstStyle/>
+          <a:p>
+            <a:r>
+              <a:rPr lang="it-IT" dirty="0"/>
+              <a:t>Dipendenze</a:t>
+            </a:r>
+          </a:p>
+        </p:txBody>
+      </p:sp>
+      <p:pic>
+        <p:nvPicPr>
+          <p:cNvPr id="7" name="Immagine 6" descr="Immagine che contiene testo&#10;&#10;Descrizione generata automaticamente">
+            <a:extLst>
+              <a:ext uri="{FF2B5EF4-FFF2-40B4-BE49-F238E27FC236}">
+                <a16:creationId xmlns:a16="http://schemas.microsoft.com/office/drawing/2014/main" id="{EA9E4906-5914-186D-BBF5-AD0D74546655}"/>
+              </a:ext>
+            </a:extLst>
+          </p:cNvPr>
+          <p:cNvPicPr>
+            <a:picLocks noChangeAspect="1"/>
+          </p:cNvPicPr>
+          <p:nvPr/>
+        </p:nvPicPr>
+        <p:blipFill>
+          <a:blip r:embed="rId2"/>
+          <a:stretch>
+            <a:fillRect/>
+          </a:stretch>
+        </p:blipFill>
+        <p:spPr>
+          <a:xfrm>
+            <a:off x="2316257" y="987871"/>
+            <a:ext cx="4511486" cy="3756867"/>
           </a:xfrm>
           <a:prstGeom prst="rect">
             <a:avLst/>
           </a:prstGeom>
         </p:spPr>
+      </p:pic>
+    </p:spTree>
+    <p:extLst>
+      <p:ext uri="{BB962C8B-B14F-4D97-AF65-F5344CB8AC3E}">
+        <p14:creationId xmlns:p14="http://schemas.microsoft.com/office/powerpoint/2010/main" val="2634647193"/>
+      </p:ext>
+    </p:extLst>
+  </p:cSld>
+  <p:clrMapOvr>
+    <a:masterClrMapping/>
+  </p:clrMapOvr>
+</p:sld>
+</file>
+
+<file path=ppt/slides/slide9.xml><?xml version="1.0" encoding="utf-8"?>
+<p:sld xmlns:a="http://schemas.openxmlformats.org/drawingml/2006/main" xmlns:r="http://schemas.openxmlformats.org/officeDocument/2006/relationships" xmlns:p="http://schemas.openxmlformats.org/presentationml/2006/main">
+  <p:cSld>
+    <p:spTree>
+      <p:nvGrpSpPr>
+        <p:cNvPr id="1" name=""/>
+        <p:cNvGrpSpPr/>
+        <p:nvPr/>
+      </p:nvGrpSpPr>
+      <p:grpSpPr>
+        <a:xfrm>
+          <a:off x="0" y="0"/>
+          <a:ext cx="0" cy="0"/>
+          <a:chOff x="0" y="0"/>
+          <a:chExt cx="0" cy="0"/>
+        </a:xfrm>
+      </p:grpSpPr>
+      <p:sp>
+        <p:nvSpPr>
+          <p:cNvPr id="3" name="Titolo 2">
+            <a:extLst>
+              <a:ext uri="{FF2B5EF4-FFF2-40B4-BE49-F238E27FC236}">
+                <a16:creationId xmlns:a16="http://schemas.microsoft.com/office/drawing/2014/main" id="{7C241545-EA7D-D838-2117-27B3F56E9BC4}"/>
+              </a:ext>
+            </a:extLst>
+          </p:cNvPr>
+          <p:cNvSpPr>
+            <a:spLocks noGrp="1"/>
+          </p:cNvSpPr>
+          <p:nvPr>
+            <p:ph type="title"/>
+          </p:nvPr>
+        </p:nvSpPr>
+        <p:spPr>
+          <a:xfrm>
+            <a:off x="1278050" y="343199"/>
+            <a:ext cx="6588000" cy="1071531"/>
+          </a:xfrm>
+        </p:spPr>
         <p:txBody>
-          <a:bodyPr spcFirstLastPara="1" wrap="square" lIns="91425" tIns="91425" rIns="91425" bIns="91425" anchor="t" anchorCtr="0">
-            <a:noAutofit/>
-          </a:bodyPr>
+          <a:bodyPr/>
           <a:lstStyle/>
           <a:p>
-            <a:pPr marL="0" lvl="0" indent="0" algn="ctr" rtl="0">
-              <a:spcBef>
-                <a:spcPts val="0"/>
-              </a:spcBef>
-              <a:spcAft>
-                <a:spcPts val="0"/>
-              </a:spcAft>
-              <a:buNone/>
-            </a:pPr>
-            <a:r>
-              <a:rPr lang="en"/>
-              <a:t>THANKS!</a:t>
-            </a:r>
-            <a:endParaRPr/>
+            <a:r>
+              <a:rPr lang="it-IT" dirty="0" err="1"/>
+              <a:t>Principalei</a:t>
+            </a:r>
+            <a:r>
+              <a:rPr lang="it-IT" dirty="0"/>
+              <a:t> Annotazioni utilizzate</a:t>
+            </a:r>
           </a:p>
         </p:txBody>
       </p:sp>
       <p:sp>
         <p:nvSpPr>
-          <p:cNvPr id="899" name="Google Shape;899;p52"/>
-          <p:cNvSpPr txBox="1">
-            <a:spLocks noGrp="1"/>
-          </p:cNvSpPr>
-          <p:nvPr>
-            <p:ph type="subTitle" idx="1"/>
-          </p:nvPr>
+          <p:cNvPr id="2" name="CasellaDiTesto 1">
+            <a:extLst>
+              <a:ext uri="{FF2B5EF4-FFF2-40B4-BE49-F238E27FC236}">
+                <a16:creationId xmlns:a16="http://schemas.microsoft.com/office/drawing/2014/main" id="{3AC5605C-DF48-33A2-47D3-53CAF03714FA}"/>
+              </a:ext>
+            </a:extLst>
+          </p:cNvPr>
+          <p:cNvSpPr txBox="1"/>
+          <p:nvPr/>
         </p:nvSpPr>
         <p:spPr>
           <a:xfrm>
-            <a:off x="2951850" y="1515875"/>
-            <a:ext cx="3240300" cy="1208400"/>
+            <a:off x="433137" y="1414730"/>
+            <a:ext cx="8373979" cy="3323987"/>
           </a:xfrm>
           <a:prstGeom prst="rect">
             <a:avLst/>
           </a:prstGeom>
+          <a:noFill/>
         </p:spPr>
         <p:txBody>
-          <a:bodyPr spcFirstLastPara="1" wrap="square" lIns="91425" tIns="0" rIns="91425" bIns="91425" anchor="t" anchorCtr="0">
-            <a:noAutofit/>
+          <a:bodyPr wrap="square" rtlCol="0">
+            <a:spAutoFit/>
           </a:bodyPr>
           <a:lstStyle/>
           <a:p>
-            <a:pPr marL="0" lvl="0" indent="0" algn="ctr" rtl="0">
-              <a:spcBef>
-                <a:spcPts val="0"/>
-              </a:spcBef>
-              <a:spcAft>
-                <a:spcPts val="0"/>
-              </a:spcAft>
-              <a:buNone/>
+            <a:pPr marL="285750" indent="-285750">
+              <a:buFont typeface="Arial" panose="020B0604020202020204" pitchFamily="34" charset="0"/>
+              <a:buChar char="•"/>
             </a:pPr>
-            <a:endParaRPr dirty="0"/>
-          </a:p>
-          <a:p>
-            <a:pPr marL="0" lvl="0" indent="0" algn="ctr" rtl="0">
-              <a:spcBef>
-                <a:spcPts val="0"/>
-              </a:spcBef>
-              <a:spcAft>
-                <a:spcPts val="0"/>
-              </a:spcAft>
-              <a:buNone/>
+            <a:r>
+              <a:rPr lang="it-IT" dirty="0">
+                <a:solidFill>
+                  <a:schemeClr val="bg1"/>
+                </a:solidFill>
+              </a:rPr>
+              <a:t>@</a:t>
+            </a:r>
+            <a:r>
+              <a:rPr lang="it-IT" dirty="0" err="1">
+                <a:solidFill>
+                  <a:schemeClr val="bg1"/>
+                </a:solidFill>
+              </a:rPr>
+              <a:t>EnableWebSecurity</a:t>
+            </a:r>
+            <a:r>
+              <a:rPr lang="it-IT" dirty="0">
+                <a:solidFill>
+                  <a:schemeClr val="bg1"/>
+                </a:solidFill>
+              </a:rPr>
+              <a:t> </a:t>
+            </a:r>
+            <a:r>
+              <a:rPr lang="it-IT" dirty="0">
+                <a:solidFill>
+                  <a:schemeClr val="bg1"/>
+                </a:solidFill>
+                <a:effectLst/>
+              </a:rPr>
+              <a:t>consente a Spring di trovare e applicare automaticamente la classe alla Web Security globale.</a:t>
+            </a:r>
+            <a:endParaRPr lang="it-IT" dirty="0">
+              <a:solidFill>
+                <a:schemeClr val="bg1"/>
+              </a:solidFill>
+            </a:endParaRPr>
+          </a:p>
+          <a:p>
+            <a:pPr marL="285750" indent="-285750">
+              <a:buFont typeface="Arial" panose="020B0604020202020204" pitchFamily="34" charset="0"/>
+              <a:buChar char="•"/>
             </a:pPr>
-            <a:endParaRPr dirty="0"/>
-          </a:p>
-          <a:p>
-            <a:pPr marL="0" lvl="0" indent="0" algn="ctr" rtl="0">
-              <a:spcBef>
-                <a:spcPts val="0"/>
-              </a:spcBef>
-              <a:spcAft>
-                <a:spcPts val="0"/>
-              </a:spcAft>
-              <a:buNone/>
+            <a:r>
+              <a:rPr lang="it-IT" dirty="0">
+                <a:solidFill>
+                  <a:schemeClr val="bg1"/>
+                </a:solidFill>
+              </a:rPr>
+              <a:t>@</a:t>
+            </a:r>
+            <a:r>
+              <a:rPr lang="it-IT" dirty="0" err="1">
+                <a:solidFill>
+                  <a:schemeClr val="bg1"/>
+                </a:solidFill>
+              </a:rPr>
+              <a:t>EnableGlobalMethodSecurity</a:t>
+            </a:r>
+            <a:r>
+              <a:rPr lang="it-IT" dirty="0">
+                <a:solidFill>
+                  <a:schemeClr val="bg1"/>
+                </a:solidFill>
+              </a:rPr>
+              <a:t> @</a:t>
+            </a:r>
+            <a:r>
+              <a:rPr lang="it-IT" dirty="0" err="1">
+                <a:solidFill>
+                  <a:schemeClr val="bg1"/>
+                </a:solidFill>
+              </a:rPr>
+              <a:t>PreAuthorize</a:t>
+            </a:r>
+            <a:r>
+              <a:rPr lang="it-IT" dirty="0">
+                <a:solidFill>
+                  <a:schemeClr val="bg1"/>
+                </a:solidFill>
+                <a:effectLst/>
+              </a:rPr>
+              <a:t>, </a:t>
+            </a:r>
+            <a:r>
+              <a:rPr lang="it-IT" dirty="0">
+                <a:solidFill>
+                  <a:schemeClr val="bg1"/>
+                </a:solidFill>
+              </a:rPr>
+              <a:t>@</a:t>
+            </a:r>
+            <a:r>
+              <a:rPr lang="it-IT" dirty="0" err="1">
+                <a:solidFill>
+                  <a:schemeClr val="bg1"/>
+                </a:solidFill>
+              </a:rPr>
+              <a:t>PostAuthorize</a:t>
+            </a:r>
+            <a:r>
+              <a:rPr lang="it-IT" dirty="0">
+                <a:solidFill>
+                  <a:schemeClr val="bg1"/>
+                </a:solidFill>
+                <a:effectLst/>
+              </a:rPr>
+              <a:t>.</a:t>
+            </a:r>
+          </a:p>
+          <a:p>
+            <a:pPr marL="285750" indent="-285750">
+              <a:buFont typeface="Arial" panose="020B0604020202020204" pitchFamily="34" charset="0"/>
+              <a:buChar char="•"/>
             </a:pPr>
-            <a:endParaRPr dirty="0"/>
-          </a:p>
-          <a:p>
-            <a:pPr marL="0" lvl="0" indent="0" algn="ctr" rtl="0">
-              <a:spcBef>
-                <a:spcPts val="0"/>
-              </a:spcBef>
-              <a:spcAft>
-                <a:spcPts val="0"/>
-              </a:spcAft>
-              <a:buNone/>
+            <a:r>
+              <a:rPr lang="it-IT" dirty="0">
+                <a:solidFill>
+                  <a:schemeClr val="bg1"/>
+                </a:solidFill>
+                <a:effectLst/>
+              </a:rPr>
+              <a:t>Sovrascriviamo il </a:t>
+            </a:r>
+            <a:r>
+              <a:rPr lang="it-IT" dirty="0" err="1">
+                <a:solidFill>
+                  <a:schemeClr val="bg1"/>
+                </a:solidFill>
+              </a:rPr>
+              <a:t>configure</a:t>
+            </a:r>
+            <a:r>
+              <a:rPr lang="it-IT" dirty="0">
+                <a:solidFill>
+                  <a:schemeClr val="bg1"/>
+                </a:solidFill>
+              </a:rPr>
+              <a:t>(</a:t>
+            </a:r>
+            <a:r>
+              <a:rPr lang="it-IT" dirty="0" err="1">
+                <a:solidFill>
+                  <a:schemeClr val="bg1"/>
+                </a:solidFill>
+              </a:rPr>
+              <a:t>HttpSecurity</a:t>
+            </a:r>
+            <a:r>
+              <a:rPr lang="it-IT" dirty="0">
+                <a:solidFill>
+                  <a:schemeClr val="bg1"/>
+                </a:solidFill>
+              </a:rPr>
+              <a:t> http) </a:t>
+            </a:r>
+            <a:r>
+              <a:rPr lang="it-IT" dirty="0">
+                <a:solidFill>
+                  <a:schemeClr val="bg1"/>
+                </a:solidFill>
+                <a:effectLst/>
+              </a:rPr>
+              <a:t>metodo </a:t>
+            </a:r>
+            <a:r>
+              <a:rPr lang="it-IT" dirty="0" err="1">
+                <a:solidFill>
+                  <a:schemeClr val="bg1"/>
+                </a:solidFill>
+              </a:rPr>
+              <a:t>WebSecurityConfigurerAdapter</a:t>
+            </a:r>
+            <a:r>
+              <a:rPr lang="it-IT" dirty="0">
+                <a:solidFill>
+                  <a:schemeClr val="bg1"/>
+                </a:solidFill>
+              </a:rPr>
+              <a:t> </a:t>
+            </a:r>
+            <a:r>
+              <a:rPr lang="it-IT" dirty="0">
+                <a:solidFill>
+                  <a:schemeClr val="bg1"/>
+                </a:solidFill>
+                <a:effectLst/>
+              </a:rPr>
+              <a:t>dall'interfaccia. Esso indica a Spring Security come configuriamo CORS e CSRF, quando vogliamo richiedere che tutti gli utenti siano autenticati o meno, quale filtro ( </a:t>
+            </a:r>
+            <a:r>
+              <a:rPr lang="it-IT" dirty="0" err="1">
+                <a:solidFill>
+                  <a:schemeClr val="bg1"/>
+                </a:solidFill>
+              </a:rPr>
+              <a:t>AuthTokenFilter</a:t>
+            </a:r>
+            <a:r>
+              <a:rPr lang="it-IT" dirty="0">
+                <a:solidFill>
+                  <a:schemeClr val="bg1"/>
+                </a:solidFill>
+                <a:effectLst/>
+              </a:rPr>
+              <a:t>) e quando vogliamo che funzioni (filtro prima di </a:t>
+            </a:r>
+            <a:r>
+              <a:rPr lang="it-IT" dirty="0" err="1">
+                <a:solidFill>
+                  <a:schemeClr val="bg1"/>
+                </a:solidFill>
+              </a:rPr>
+              <a:t>UsernamePasswordAuthenticationFilter</a:t>
+            </a:r>
+            <a:r>
+              <a:rPr lang="it-IT" dirty="0">
+                <a:solidFill>
+                  <a:schemeClr val="bg1"/>
+                </a:solidFill>
+                <a:effectLst/>
+              </a:rPr>
+              <a:t>), quale gestore di eccezioni viene scelto ( </a:t>
+            </a:r>
+            <a:r>
+              <a:rPr lang="it-IT" dirty="0" err="1">
+                <a:solidFill>
+                  <a:schemeClr val="bg1"/>
+                </a:solidFill>
+              </a:rPr>
+              <a:t>AuthEntryPointJwt</a:t>
+            </a:r>
+            <a:r>
+              <a:rPr lang="it-IT" dirty="0">
+                <a:solidFill>
+                  <a:schemeClr val="bg1"/>
+                </a:solidFill>
+                <a:effectLst/>
+              </a:rPr>
+              <a:t>).</a:t>
+            </a:r>
+            <a:endParaRPr lang="it-IT" dirty="0">
+              <a:solidFill>
+                <a:schemeClr val="bg1"/>
+              </a:solidFill>
+            </a:endParaRPr>
+          </a:p>
+          <a:p>
+            <a:pPr marL="285750" indent="-285750">
+              <a:buFont typeface="Arial" panose="020B0604020202020204" pitchFamily="34" charset="0"/>
+              <a:buChar char="•"/>
             </a:pPr>
-            <a:endParaRPr dirty="0"/>
-          </a:p>
-          <a:p>
-            <a:pPr marL="0" lvl="0" indent="0" algn="ctr" rtl="0">
-              <a:spcBef>
-                <a:spcPts val="0"/>
-              </a:spcBef>
-              <a:spcAft>
-                <a:spcPts val="0"/>
-              </a:spcAft>
-              <a:buNone/>
+            <a:r>
+              <a:rPr lang="it-IT" dirty="0">
+                <a:solidFill>
+                  <a:schemeClr val="bg1"/>
+                </a:solidFill>
+                <a:effectLst/>
+              </a:rPr>
+              <a:t>Spring Security caricherà i dettagli dell'utente per eseguire l'autenticazione e l'autorizzazione. Quindi ha </a:t>
+            </a:r>
+            <a:r>
+              <a:rPr lang="it-IT" dirty="0" err="1">
+                <a:solidFill>
+                  <a:schemeClr val="bg1"/>
+                </a:solidFill>
+              </a:rPr>
+              <a:t>UserDetailsService</a:t>
+            </a:r>
+            <a:r>
+              <a:rPr lang="it-IT" dirty="0" err="1">
+                <a:solidFill>
+                  <a:schemeClr val="bg1"/>
+                </a:solidFill>
+                <a:effectLst/>
+              </a:rPr>
+              <a:t>un'interfaccia</a:t>
+            </a:r>
+            <a:r>
+              <a:rPr lang="it-IT" dirty="0">
+                <a:solidFill>
+                  <a:schemeClr val="bg1"/>
+                </a:solidFill>
+                <a:effectLst/>
+              </a:rPr>
+              <a:t> che dobbiamo implementare.</a:t>
+            </a:r>
+            <a:endParaRPr lang="it-IT" dirty="0">
+              <a:solidFill>
+                <a:schemeClr val="bg1"/>
+              </a:solidFill>
+            </a:endParaRPr>
+          </a:p>
+          <a:p>
+            <a:pPr marL="285750" indent="-285750">
+              <a:buFont typeface="Arial" panose="020B0604020202020204" pitchFamily="34" charset="0"/>
+              <a:buChar char="•"/>
             </a:pPr>
-            <a:endParaRPr dirty="0"/>
-          </a:p>
-          <a:p>
-            <a:pPr marL="0" lvl="0" indent="0" algn="ctr" rtl="0">
-              <a:spcBef>
-                <a:spcPts val="0"/>
-              </a:spcBef>
-              <a:spcAft>
-                <a:spcPts val="0"/>
-              </a:spcAft>
-              <a:buNone/>
+            <a:r>
+              <a:rPr lang="it-IT" dirty="0">
+                <a:solidFill>
+                  <a:schemeClr val="bg1"/>
+                </a:solidFill>
+                <a:effectLst/>
+              </a:rPr>
+              <a:t>L'implementazione di </a:t>
+            </a:r>
+            <a:r>
+              <a:rPr lang="it-IT" dirty="0" err="1">
+                <a:solidFill>
+                  <a:schemeClr val="bg1"/>
+                </a:solidFill>
+              </a:rPr>
+              <a:t>UserDetailsService</a:t>
+            </a:r>
+            <a:r>
+              <a:rPr lang="it-IT" dirty="0">
+                <a:solidFill>
+                  <a:schemeClr val="bg1"/>
+                </a:solidFill>
+              </a:rPr>
+              <a:t> </a:t>
+            </a:r>
+            <a:r>
+              <a:rPr lang="it-IT" dirty="0">
+                <a:solidFill>
+                  <a:schemeClr val="bg1"/>
+                </a:solidFill>
+                <a:effectLst/>
+              </a:rPr>
+              <a:t>verrà utilizzata per la configurazione </a:t>
+            </a:r>
+            <a:r>
+              <a:rPr lang="it-IT" dirty="0" err="1">
+                <a:solidFill>
+                  <a:schemeClr val="bg1"/>
+                </a:solidFill>
+              </a:rPr>
+              <a:t>DaoAuthenticationProvider</a:t>
+            </a:r>
+            <a:r>
+              <a:rPr lang="it-IT" dirty="0">
+                <a:solidFill>
+                  <a:schemeClr val="bg1"/>
+                </a:solidFill>
+              </a:rPr>
+              <a:t> </a:t>
+            </a:r>
+            <a:r>
+              <a:rPr lang="it-IT" dirty="0">
+                <a:solidFill>
+                  <a:schemeClr val="bg1"/>
+                </a:solidFill>
+                <a:effectLst/>
+              </a:rPr>
+              <a:t>tramite </a:t>
+            </a:r>
+            <a:r>
+              <a:rPr lang="it-IT" dirty="0" err="1">
+                <a:solidFill>
+                  <a:schemeClr val="bg1"/>
+                </a:solidFill>
+              </a:rPr>
+              <a:t>AuthenticationManagerBuilder.userDetailsService</a:t>
+            </a:r>
+            <a:r>
+              <a:rPr lang="it-IT" dirty="0">
+                <a:solidFill>
+                  <a:schemeClr val="bg1"/>
+                </a:solidFill>
+              </a:rPr>
+              <a:t>()</a:t>
+            </a:r>
+            <a:r>
+              <a:rPr lang="it-IT" dirty="0">
+                <a:solidFill>
+                  <a:schemeClr val="bg1"/>
+                </a:solidFill>
+                <a:effectLst/>
+              </a:rPr>
+              <a:t>.</a:t>
+            </a:r>
+            <a:endParaRPr lang="it-IT" dirty="0">
+              <a:solidFill>
+                <a:schemeClr val="bg1"/>
+              </a:solidFill>
+            </a:endParaRPr>
+          </a:p>
+          <a:p>
+            <a:pPr marL="285750" indent="-285750">
+              <a:buFont typeface="Arial" panose="020B0604020202020204" pitchFamily="34" charset="0"/>
+              <a:buChar char="•"/>
             </a:pPr>
-            <a:endParaRPr dirty="0"/>
+            <a:r>
+              <a:rPr lang="it-IT" dirty="0">
+                <a:solidFill>
+                  <a:schemeClr val="bg1"/>
+                </a:solidFill>
+                <a:effectLst/>
+              </a:rPr>
+              <a:t>Abbiamo anche bisogno </a:t>
+            </a:r>
+            <a:r>
+              <a:rPr lang="it-IT" dirty="0" err="1">
+                <a:solidFill>
+                  <a:schemeClr val="bg1"/>
+                </a:solidFill>
+              </a:rPr>
+              <a:t>PasswordEncoder</a:t>
+            </a:r>
+            <a:r>
+              <a:rPr lang="it-IT" dirty="0">
+                <a:solidFill>
+                  <a:schemeClr val="bg1"/>
+                </a:solidFill>
+              </a:rPr>
+              <a:t> </a:t>
+            </a:r>
+            <a:r>
+              <a:rPr lang="it-IT" dirty="0">
+                <a:solidFill>
+                  <a:schemeClr val="bg1"/>
+                </a:solidFill>
+                <a:effectLst/>
+              </a:rPr>
+              <a:t>di un file </a:t>
+            </a:r>
+            <a:r>
+              <a:rPr lang="it-IT" dirty="0" err="1">
+                <a:solidFill>
+                  <a:schemeClr val="bg1"/>
+                </a:solidFill>
+              </a:rPr>
+              <a:t>DaoAuthenticationProvider</a:t>
+            </a:r>
+            <a:r>
+              <a:rPr lang="it-IT" dirty="0">
+                <a:solidFill>
+                  <a:schemeClr val="bg1"/>
+                </a:solidFill>
+                <a:effectLst/>
+              </a:rPr>
+              <a:t>. </a:t>
+            </a:r>
+          </a:p>
+          <a:p>
+            <a:pPr marL="285750" indent="-285750">
+              <a:buFont typeface="Arial" panose="020B0604020202020204" pitchFamily="34" charset="0"/>
+              <a:buChar char="•"/>
+            </a:pPr>
+            <a:r>
+              <a:rPr lang="it-IT" dirty="0">
+                <a:solidFill>
+                  <a:schemeClr val="bg1"/>
+                </a:solidFill>
+                <a:effectLst/>
+              </a:rPr>
+              <a:t>Se non lo specifichiamo, utilizzerà il parametro non codificato.</a:t>
+            </a:r>
+            <a:endParaRPr lang="it-IT" dirty="0">
+              <a:solidFill>
+                <a:schemeClr val="bg1"/>
+              </a:solidFill>
+            </a:endParaRPr>
+          </a:p>
+          <a:p>
+            <a:endParaRPr lang="it-IT" dirty="0">
+              <a:solidFill>
+                <a:schemeClr val="bg1"/>
+              </a:solidFill>
+            </a:endParaRPr>
           </a:p>
         </p:txBody>
       </p:sp>
     </p:spTree>
+    <p:extLst>
+      <p:ext uri="{BB962C8B-B14F-4D97-AF65-F5344CB8AC3E}">
+        <p14:creationId xmlns:p14="http://schemas.microsoft.com/office/powerpoint/2010/main" val="2594833258"/>
+      </p:ext>
+    </p:extLst>
   </p:cSld>
   <p:clrMapOvr>
     <a:masterClrMapping/>
